--- a/2020/Kausik_Resume.pptx
+++ b/2020/Kausik_Resume.pptx
@@ -895,7 +895,7 @@
           <a:p>
             <a:fld id="{393F4C90-29F5-445F-979F-F15EE0C262FB}" type="datetimeFigureOut">
               <a:rPr lang="en-IN" smtClean="0"/>
-              <a:t>18-03-2020</a:t>
+              <a:t>07-05-2020</a:t>
             </a:fld>
             <a:endParaRPr lang="en-IN"/>
           </a:p>
@@ -1065,7 +1065,7 @@
           <a:p>
             <a:fld id="{393F4C90-29F5-445F-979F-F15EE0C262FB}" type="datetimeFigureOut">
               <a:rPr lang="en-IN" smtClean="0"/>
-              <a:t>18-03-2020</a:t>
+              <a:t>07-05-2020</a:t>
             </a:fld>
             <a:endParaRPr lang="en-IN"/>
           </a:p>
@@ -1245,7 +1245,7 @@
           <a:p>
             <a:fld id="{393F4C90-29F5-445F-979F-F15EE0C262FB}" type="datetimeFigureOut">
               <a:rPr lang="en-IN" smtClean="0"/>
-              <a:t>18-03-2020</a:t>
+              <a:t>07-05-2020</a:t>
             </a:fld>
             <a:endParaRPr lang="en-IN"/>
           </a:p>
@@ -1415,7 +1415,7 @@
           <a:p>
             <a:fld id="{393F4C90-29F5-445F-979F-F15EE0C262FB}" type="datetimeFigureOut">
               <a:rPr lang="en-IN" smtClean="0"/>
-              <a:t>18-03-2020</a:t>
+              <a:t>07-05-2020</a:t>
             </a:fld>
             <a:endParaRPr lang="en-IN"/>
           </a:p>
@@ -1659,7 +1659,7 @@
           <a:p>
             <a:fld id="{393F4C90-29F5-445F-979F-F15EE0C262FB}" type="datetimeFigureOut">
               <a:rPr lang="en-IN" smtClean="0"/>
-              <a:t>18-03-2020</a:t>
+              <a:t>07-05-2020</a:t>
             </a:fld>
             <a:endParaRPr lang="en-IN"/>
           </a:p>
@@ -1891,7 +1891,7 @@
           <a:p>
             <a:fld id="{393F4C90-29F5-445F-979F-F15EE0C262FB}" type="datetimeFigureOut">
               <a:rPr lang="en-IN" smtClean="0"/>
-              <a:t>18-03-2020</a:t>
+              <a:t>07-05-2020</a:t>
             </a:fld>
             <a:endParaRPr lang="en-IN"/>
           </a:p>
@@ -2258,7 +2258,7 @@
           <a:p>
             <a:fld id="{393F4C90-29F5-445F-979F-F15EE0C262FB}" type="datetimeFigureOut">
               <a:rPr lang="en-IN" smtClean="0"/>
-              <a:t>18-03-2020</a:t>
+              <a:t>07-05-2020</a:t>
             </a:fld>
             <a:endParaRPr lang="en-IN"/>
           </a:p>
@@ -2376,7 +2376,7 @@
           <a:p>
             <a:fld id="{393F4C90-29F5-445F-979F-F15EE0C262FB}" type="datetimeFigureOut">
               <a:rPr lang="en-IN" smtClean="0"/>
-              <a:t>18-03-2020</a:t>
+              <a:t>07-05-2020</a:t>
             </a:fld>
             <a:endParaRPr lang="en-IN"/>
           </a:p>
@@ -2471,7 +2471,7 @@
           <a:p>
             <a:fld id="{393F4C90-29F5-445F-979F-F15EE0C262FB}" type="datetimeFigureOut">
               <a:rPr lang="en-IN" smtClean="0"/>
-              <a:t>18-03-2020</a:t>
+              <a:t>07-05-2020</a:t>
             </a:fld>
             <a:endParaRPr lang="en-IN"/>
           </a:p>
@@ -2748,7 +2748,7 @@
           <a:p>
             <a:fld id="{393F4C90-29F5-445F-979F-F15EE0C262FB}" type="datetimeFigureOut">
               <a:rPr lang="en-IN" smtClean="0"/>
-              <a:t>18-03-2020</a:t>
+              <a:t>07-05-2020</a:t>
             </a:fld>
             <a:endParaRPr lang="en-IN"/>
           </a:p>
@@ -3005,7 +3005,7 @@
           <a:p>
             <a:fld id="{393F4C90-29F5-445F-979F-F15EE0C262FB}" type="datetimeFigureOut">
               <a:rPr lang="en-IN" smtClean="0"/>
-              <a:t>18-03-2020</a:t>
+              <a:t>07-05-2020</a:t>
             </a:fld>
             <a:endParaRPr lang="en-IN"/>
           </a:p>
@@ -3218,7 +3218,7 @@
           <a:p>
             <a:fld id="{393F4C90-29F5-445F-979F-F15EE0C262FB}" type="datetimeFigureOut">
               <a:rPr lang="en-IN" smtClean="0"/>
-              <a:t>18-03-2020</a:t>
+              <a:t>07-05-2020</a:t>
             </a:fld>
             <a:endParaRPr lang="en-IN"/>
           </a:p>
@@ -3990,7 +3990,7 @@
         <p:spPr>
           <a:xfrm>
             <a:off x="2939841" y="2599867"/>
-            <a:ext cx="732341" cy="2185214"/>
+            <a:ext cx="732341" cy="2062103"/>
           </a:xfrm>
           <a:prstGeom prst="rect">
             <a:avLst/>
@@ -4026,6 +4026,9 @@
           </a:p>
           <a:p>
             <a:endParaRPr lang="en-IN" sz="800" dirty="0">
+              <a:solidFill>
+                <a:srgbClr val="ED7D31"/>
+              </a:solidFill>
               <a:latin typeface="Tw Cen MT" panose="020B0602020104020603" pitchFamily="34" charset="0"/>
             </a:endParaRPr>
           </a:p>
@@ -4045,7 +4048,7 @@
                 </a:solidFill>
                 <a:latin typeface="Tw Cen MT" panose="020B0602020104020603" pitchFamily="34" charset="0"/>
               </a:rPr>
-              <a:t>Image Processing</a:t>
+              <a:t>Computer Vision</a:t>
             </a:r>
             <a:endParaRPr lang="en-IN" sz="800" dirty="0">
               <a:solidFill>
@@ -4137,17 +4140,14 @@
                 </a:solidFill>
                 <a:latin typeface="Tw Cen MT" panose="020B0602020104020603" pitchFamily="34" charset="0"/>
               </a:rPr>
-              <a:t>AR</a:t>
-            </a:r>
-            <a:r>
-              <a:rPr lang="en-IN" sz="800" dirty="0">
-                <a:solidFill>
-                  <a:srgbClr val="ED7D31"/>
-                </a:solidFill>
-                <a:latin typeface="Tw Cen MT" panose="020B0602020104020603" pitchFamily="34" charset="0"/>
-              </a:rPr>
-              <a:t> App Development</a:t>
-            </a:r>
+              <a:t>AR/VR</a:t>
+            </a:r>
+            <a:endParaRPr lang="en-IN" sz="800" dirty="0">
+              <a:solidFill>
+                <a:srgbClr val="ED7D31"/>
+              </a:solidFill>
+              <a:latin typeface="Tw Cen MT" panose="020B0602020104020603" pitchFamily="34" charset="0"/>
+            </a:endParaRPr>
           </a:p>
         </p:txBody>
       </p:sp>
@@ -4765,7 +4765,7 @@
                   <a:schemeClr val="tx1"/>
                 </a:solidFill>
               </a:rPr>
-              <a:t>Artificial Intelligence </a:t>
+              <a:t>Deep Learning</a:t>
             </a:r>
           </a:p>
         </p:txBody>
@@ -4867,7 +4867,7 @@
         </p:nvSpPr>
         <p:spPr>
           <a:xfrm>
-            <a:off x="643112" y="7155319"/>
+            <a:off x="592227" y="7143227"/>
             <a:ext cx="2216257" cy="830997"/>
           </a:xfrm>
           <a:prstGeom prst="rect">
@@ -4888,7 +4888,7 @@
                 </a:solidFill>
                 <a:latin typeface="Tw Cen MT" panose="020B0602020104020603" pitchFamily="34" charset="0"/>
               </a:rPr>
-              <a:t>Machine Learning Seminar </a:t>
+              <a:t>SparkAR Workshop</a:t>
             </a:r>
           </a:p>
           <a:p>
@@ -4899,7 +4899,7 @@
                 </a:solidFill>
                 <a:latin typeface="Tw Cen MT" panose="020B0602020104020603" pitchFamily="34" charset="0"/>
               </a:rPr>
-              <a:t>By Dr. Ashish Ghosh</a:t>
+              <a:t>By Facebook School of Innovation</a:t>
             </a:r>
           </a:p>
           <a:p>
@@ -4910,15 +4910,7 @@
                 </a:solidFill>
                 <a:latin typeface="Tw Cen MT" panose="020B0602020104020603" pitchFamily="34" charset="0"/>
               </a:rPr>
-              <a:t>2019</a:t>
-            </a:r>
-          </a:p>
-          <a:p>
-            <a:r>
-              <a:rPr lang="en-IN" sz="1200" dirty="0">
-                <a:latin typeface="Tw Cen MT" panose="020B0602020104020603" pitchFamily="34" charset="0"/>
-              </a:rPr>
-              <a:t>IIITDM Kancheepuram</a:t>
+              <a:t>2020</a:t>
             </a:r>
           </a:p>
         </p:txBody>
@@ -5397,7 +5389,7 @@
         </p:nvSpPr>
         <p:spPr>
           <a:xfrm>
-            <a:off x="3615345" y="4577824"/>
+            <a:off x="3617585" y="4511784"/>
             <a:ext cx="829740" cy="63977"/>
           </a:xfrm>
           <a:prstGeom prst="rect">
@@ -5447,8 +5439,8 @@
         </p:nvSpPr>
         <p:spPr>
           <a:xfrm>
-            <a:off x="3622490" y="4588589"/>
-            <a:ext cx="791162" cy="45719"/>
+            <a:off x="3617584" y="4523552"/>
+            <a:ext cx="822716" cy="50290"/>
           </a:xfrm>
           <a:prstGeom prst="rect">
             <a:avLst/>
@@ -6737,19 +6729,7 @@
               <a:rPr lang="en-IN" sz="1200" dirty="0">
                 <a:latin typeface="Tw Cen MT" panose="020B0602020104020603" pitchFamily="34" charset="0"/>
               </a:rPr>
-              <a:t>Rajalakshmi </a:t>
-            </a:r>
-            <a:r>
-              <a:rPr lang="en-IN" sz="1200" dirty="0" err="1">
-                <a:latin typeface="Tw Cen MT" panose="020B0602020104020603" pitchFamily="34" charset="0"/>
-              </a:rPr>
-              <a:t>nagar</a:t>
-            </a:r>
-            <a:r>
-              <a:rPr lang="en-IN" sz="1200" dirty="0">
-                <a:latin typeface="Tw Cen MT" panose="020B0602020104020603" pitchFamily="34" charset="0"/>
-              </a:rPr>
-              <a:t>,</a:t>
+              <a:t>Rajalakshmi Nagar,</a:t>
             </a:r>
           </a:p>
           <a:p>
@@ -7451,7 +7431,7 @@
         </p:nvSpPr>
         <p:spPr>
           <a:xfrm>
-            <a:off x="614242" y="7938579"/>
+            <a:off x="575487" y="7948479"/>
             <a:ext cx="2216257" cy="830997"/>
           </a:xfrm>
           <a:prstGeom prst="rect">
@@ -7634,17 +7614,8 @@
               <a:rPr lang="en-IN" sz="1200" dirty="0">
                 <a:latin typeface="Tw Cen MT" panose="020B0602020104020603" pitchFamily="34" charset="0"/>
               </a:rPr>
-              <a:t>Guided by: Dr. </a:t>
-            </a:r>
-            <a:r>
-              <a:rPr lang="en-IN" sz="1200" dirty="0" err="1">
-                <a:latin typeface="Tw Cen MT" panose="020B0602020104020603" pitchFamily="34" charset="0"/>
-              </a:rPr>
-              <a:t>Sivaselvan</a:t>
-            </a:r>
-            <a:endParaRPr lang="en-IN" sz="1200" dirty="0">
-              <a:latin typeface="Tw Cen MT" panose="020B0602020104020603" pitchFamily="34" charset="0"/>
-            </a:endParaRPr>
+              <a:t>Guided by: Dr. Sivaselvan</a:t>
+            </a:r>
           </a:p>
           <a:p>
             <a:r>
